--- a/slides/studiecirkel_csharp_4_oop cont.pptx
+++ b/slides/studiecirkel_csharp_4_oop cont.pptx
@@ -355,7 +355,7 @@
               <a:pPr>
                 <a:defRPr/>
               </a:pPr>
-              <a:t>2012-12-13</a:t>
+              <a:t>2012-12-14</a:t>
             </a:fld>
             <a:endParaRPr lang="sv-SE"/>
           </a:p>
@@ -547,7 +547,7 @@
               <a:pPr>
                 <a:defRPr/>
               </a:pPr>
-              <a:t>2012-12-13</a:t>
+              <a:t>2012-12-14</a:t>
             </a:fld>
             <a:endParaRPr lang="sv-SE"/>
           </a:p>
@@ -749,7 +749,7 @@
               <a:pPr>
                 <a:defRPr/>
               </a:pPr>
-              <a:t>2012-12-13</a:t>
+              <a:t>2012-12-14</a:t>
             </a:fld>
             <a:endParaRPr lang="sv-SE"/>
           </a:p>
@@ -1017,7 +1017,7 @@
               <a:pPr>
                 <a:defRPr/>
               </a:pPr>
-              <a:t>2012-12-13</a:t>
+              <a:t>2012-12-14</a:t>
             </a:fld>
             <a:endParaRPr lang="sv-SE"/>
           </a:p>
@@ -1209,7 +1209,7 @@
               <a:pPr>
                 <a:defRPr/>
               </a:pPr>
-              <a:t>2012-12-13</a:t>
+              <a:t>2012-12-14</a:t>
             </a:fld>
             <a:endParaRPr lang="sv-SE"/>
           </a:p>
@@ -1475,7 +1475,7 @@
               <a:pPr>
                 <a:defRPr/>
               </a:pPr>
-              <a:t>2012-12-13</a:t>
+              <a:t>2012-12-14</a:t>
             </a:fld>
             <a:endParaRPr lang="sv-SE"/>
           </a:p>
@@ -1785,7 +1785,7 @@
               <a:pPr>
                 <a:defRPr/>
               </a:pPr>
-              <a:t>2012-12-13</a:t>
+              <a:t>2012-12-14</a:t>
             </a:fld>
             <a:endParaRPr lang="sv-SE"/>
           </a:p>
@@ -2229,7 +2229,7 @@
               <a:pPr>
                 <a:defRPr/>
               </a:pPr>
-              <a:t>2012-12-13</a:t>
+              <a:t>2012-12-14</a:t>
             </a:fld>
             <a:endParaRPr lang="sv-SE"/>
           </a:p>
@@ -2369,7 +2369,7 @@
               <a:pPr>
                 <a:defRPr/>
               </a:pPr>
-              <a:t>2012-12-13</a:t>
+              <a:t>2012-12-14</a:t>
             </a:fld>
             <a:endParaRPr lang="sv-SE"/>
           </a:p>
@@ -2486,7 +2486,7 @@
               <a:pPr>
                 <a:defRPr/>
               </a:pPr>
-              <a:t>2012-12-13</a:t>
+              <a:t>2012-12-14</a:t>
             </a:fld>
             <a:endParaRPr lang="sv-SE"/>
           </a:p>
@@ -2785,7 +2785,7 @@
               <a:pPr>
                 <a:defRPr/>
               </a:pPr>
-              <a:t>2012-12-13</a:t>
+              <a:t>2012-12-14</a:t>
             </a:fld>
             <a:endParaRPr lang="sv-SE"/>
           </a:p>
@@ -2977,7 +2977,7 @@
               <a:pPr>
                 <a:defRPr/>
               </a:pPr>
-              <a:t>2012-12-13</a:t>
+              <a:t>2012-12-14</a:t>
             </a:fld>
             <a:endParaRPr lang="sv-SE"/>
           </a:p>
@@ -3255,7 +3255,7 @@
               <a:pPr>
                 <a:defRPr/>
               </a:pPr>
-              <a:t>2012-12-13</a:t>
+              <a:t>2012-12-14</a:t>
             </a:fld>
             <a:endParaRPr lang="sv-SE"/>
           </a:p>
@@ -3447,7 +3447,7 @@
               <a:pPr>
                 <a:defRPr/>
               </a:pPr>
-              <a:t>2012-12-13</a:t>
+              <a:t>2012-12-14</a:t>
             </a:fld>
             <a:endParaRPr lang="sv-SE"/>
           </a:p>
@@ -3649,7 +3649,7 @@
               <a:pPr>
                 <a:defRPr/>
               </a:pPr>
-              <a:t>2012-12-13</a:t>
+              <a:t>2012-12-14</a:t>
             </a:fld>
             <a:endParaRPr lang="sv-SE"/>
           </a:p>
@@ -3915,7 +3915,7 @@
               <a:pPr>
                 <a:defRPr/>
               </a:pPr>
-              <a:t>2012-12-13</a:t>
+              <a:t>2012-12-14</a:t>
             </a:fld>
             <a:endParaRPr lang="sv-SE"/>
           </a:p>
@@ -4225,7 +4225,7 @@
               <a:pPr>
                 <a:defRPr/>
               </a:pPr>
-              <a:t>2012-12-13</a:t>
+              <a:t>2012-12-14</a:t>
             </a:fld>
             <a:endParaRPr lang="sv-SE"/>
           </a:p>
@@ -4669,7 +4669,7 @@
               <a:pPr>
                 <a:defRPr/>
               </a:pPr>
-              <a:t>2012-12-13</a:t>
+              <a:t>2012-12-14</a:t>
             </a:fld>
             <a:endParaRPr lang="sv-SE"/>
           </a:p>
@@ -4809,7 +4809,7 @@
               <a:pPr>
                 <a:defRPr/>
               </a:pPr>
-              <a:t>2012-12-13</a:t>
+              <a:t>2012-12-14</a:t>
             </a:fld>
             <a:endParaRPr lang="sv-SE"/>
           </a:p>
@@ -4926,7 +4926,7 @@
               <a:pPr>
                 <a:defRPr/>
               </a:pPr>
-              <a:t>2012-12-13</a:t>
+              <a:t>2012-12-14</a:t>
             </a:fld>
             <a:endParaRPr lang="sv-SE"/>
           </a:p>
@@ -5225,7 +5225,7 @@
               <a:pPr>
                 <a:defRPr/>
               </a:pPr>
-              <a:t>2012-12-13</a:t>
+              <a:t>2012-12-14</a:t>
             </a:fld>
             <a:endParaRPr lang="sv-SE"/>
           </a:p>
@@ -5507,7 +5507,7 @@
               <a:pPr>
                 <a:defRPr/>
               </a:pPr>
-              <a:t>2012-12-13</a:t>
+              <a:t>2012-12-14</a:t>
             </a:fld>
             <a:endParaRPr lang="sv-SE"/>
           </a:p>
@@ -5809,7 +5809,7 @@
               <a:pPr>
                 <a:defRPr/>
               </a:pPr>
-              <a:t>2012-12-13</a:t>
+              <a:t>2012-12-14</a:t>
             </a:fld>
             <a:endParaRPr lang="sv-SE"/>
           </a:p>
@@ -6575,7 +6575,7 @@
               <a:pPr>
                 <a:defRPr/>
               </a:pPr>
-              <a:t>2012-12-13</a:t>
+              <a:t>2012-12-14</a:t>
             </a:fld>
             <a:endParaRPr lang="sv-SE"/>
           </a:p>
@@ -8313,7 +8313,6 @@
               <a:rPr lang="sv-SE" dirty="0" smtClean="0"/>
               <a:t>Exponerar fortfarande metoder som ej ska användas</a:t>
             </a:r>
-            <a:endParaRPr lang="sv-SE" dirty="0" smtClean="0"/>
           </a:p>
         </p:txBody>
       </p:sp>
@@ -8334,11 +8333,7 @@
           <a:p>
             <a:r>
               <a:rPr lang="sv-SE" sz="2400" dirty="0" smtClean="0"/>
-              <a:t>Exempel 2: </a:t>
-            </a:r>
-            <a:r>
-              <a:rPr lang="sv-SE" sz="2400" dirty="0" smtClean="0"/>
-              <a:t>Tredjepartslogger – Implementera interface</a:t>
+              <a:t>Exempel 2: Tredjepartslogger – Implementera interface</a:t>
             </a:r>
             <a:endParaRPr lang="en-US" sz="2400" dirty="0"/>
           </a:p>
@@ -8955,11 +8950,7 @@
           <a:p>
             <a:r>
               <a:rPr lang="sv-SE" sz="2400" dirty="0" smtClean="0"/>
-              <a:t>Exempel 2: </a:t>
-            </a:r>
-            <a:r>
-              <a:rPr lang="sv-SE" sz="2400" dirty="0" smtClean="0"/>
-              <a:t>Tredjepartslogger – Egen </a:t>
+              <a:t>Exempel 2: Tredjepartslogger – Egen </a:t>
             </a:r>
             <a:r>
               <a:rPr lang="sv-SE" sz="2400" dirty="0" err="1" smtClean="0"/>
@@ -9450,7 +9441,6 @@
               <a:rPr lang="sv-SE" sz="1600" i="1" dirty="0" smtClean="0"/>
               <a:t>)</a:t>
             </a:r>
-            <a:endParaRPr lang="sv-SE" sz="1600" i="1" dirty="0" smtClean="0"/>
           </a:p>
         </p:txBody>
       </p:sp>
@@ -9529,7 +9519,6 @@
               <a:rPr lang="sv-SE" sz="1900" dirty="0" smtClean="0"/>
               <a:t>Minimerar kopplingen till 3:e-partsbiblioteket</a:t>
             </a:r>
-            <a:endParaRPr lang="sv-SE" sz="1900" dirty="0" smtClean="0"/>
           </a:p>
         </p:txBody>
       </p:sp>
@@ -9587,11 +9576,7 @@
           <a:p>
             <a:r>
               <a:rPr lang="sv-SE" sz="2400" dirty="0" smtClean="0"/>
-              <a:t>Exempel 2: </a:t>
-            </a:r>
-            <a:r>
-              <a:rPr lang="sv-SE" sz="2400" dirty="0" smtClean="0"/>
-              <a:t>Tredjepartslogger – Egen subklass</a:t>
+              <a:t>Exempel 2: Tredjepartslogger – Egen subklass</a:t>
             </a:r>
             <a:endParaRPr lang="en-US" sz="2400" dirty="0"/>
           </a:p>
@@ -9701,7 +9686,7 @@
         </p:nvSpPr>
         <p:spPr>
           <a:xfrm>
-            <a:off x="6053708" y="4026396"/>
+            <a:off x="6053708" y="3356992"/>
             <a:ext cx="2664296" cy="1512168"/>
           </a:xfrm>
           <a:prstGeom prst="roundRect">
@@ -9801,7 +9786,7 @@
         <p:spPr>
           <a:xfrm flipV="1">
             <a:off x="7385856" y="2973162"/>
-            <a:ext cx="0" cy="1053234"/>
+            <a:ext cx="0" cy="383830"/>
           </a:xfrm>
           <a:prstGeom prst="straightConnector1">
             <a:avLst/>
@@ -10078,47 +10063,9 @@
               <a:rPr lang="sv-SE" sz="1600" i="1" dirty="0" smtClean="0"/>
               <a:t>)</a:t>
             </a:r>
-            <a:endParaRPr lang="sv-SE" sz="1600" i="1" dirty="0" smtClean="0"/>
-          </a:p>
-        </p:txBody>
-      </p:sp>
-      <p:cxnSp>
-        <p:nvCxnSpPr>
-          <p:cNvPr id="22" name="Straight Connector 21"/>
-          <p:cNvCxnSpPr>
-            <a:stCxn id="4" idx="1"/>
-            <a:endCxn id="21" idx="3"/>
-          </p:cNvCxnSpPr>
-          <p:nvPr/>
-        </p:nvCxnSpPr>
-        <p:spPr>
-          <a:xfrm flipH="1">
-            <a:off x="5517232" y="4782480"/>
-            <a:ext cx="536476" cy="0"/>
-          </a:xfrm>
-          <a:prstGeom prst="line">
-            <a:avLst/>
-          </a:prstGeom>
-          <a:ln>
-            <a:headEnd type="diamond" w="lg" len="lg"/>
-            <a:tailEnd type="none" w="lg" len="lg"/>
-          </a:ln>
-        </p:spPr>
-        <p:style>
-          <a:lnRef idx="2">
-            <a:schemeClr val="accent1"/>
-          </a:lnRef>
-          <a:fillRef idx="0">
-            <a:schemeClr val="accent1"/>
-          </a:fillRef>
-          <a:effectRef idx="1">
-            <a:schemeClr val="accent1"/>
-          </a:effectRef>
-          <a:fontRef idx="minor">
-            <a:schemeClr val="tx1"/>
-          </a:fontRef>
-        </p:style>
-      </p:cxnSp>
+          </a:p>
+        </p:txBody>
+      </p:sp>
       <p:sp>
         <p:nvSpPr>
           <p:cNvPr id="23" name="Text Placeholder 2"/>
@@ -10157,10 +10104,46 @@
               <a:rPr lang="sv-SE" dirty="0" smtClean="0"/>
               <a:t>Lite mindre koppling till 3:e-partsbiblioteket än vid direkt användning</a:t>
             </a:r>
-            <a:endParaRPr lang="sv-SE" dirty="0" smtClean="0"/>
-          </a:p>
-        </p:txBody>
-      </p:sp>
+          </a:p>
+        </p:txBody>
+      </p:sp>
+      <p:cxnSp>
+        <p:nvCxnSpPr>
+          <p:cNvPr id="7" name="Straight Arrow Connector 6"/>
+          <p:cNvCxnSpPr>
+            <a:stCxn id="21" idx="3"/>
+            <a:endCxn id="4" idx="1"/>
+          </p:cNvCxnSpPr>
+          <p:nvPr/>
+        </p:nvCxnSpPr>
+        <p:spPr>
+          <a:xfrm flipV="1">
+            <a:off x="5517232" y="4113076"/>
+            <a:ext cx="536476" cy="669404"/>
+          </a:xfrm>
+          <a:prstGeom prst="straightConnector1">
+            <a:avLst/>
+          </a:prstGeom>
+          <a:ln>
+            <a:headEnd type="none" w="med" len="med"/>
+            <a:tailEnd type="triangle" w="med" len="med"/>
+          </a:ln>
+        </p:spPr>
+        <p:style>
+          <a:lnRef idx="2">
+            <a:schemeClr val="accent1"/>
+          </a:lnRef>
+          <a:fillRef idx="0">
+            <a:schemeClr val="accent1"/>
+          </a:fillRef>
+          <a:effectRef idx="1">
+            <a:schemeClr val="accent1"/>
+          </a:effectRef>
+          <a:fontRef idx="minor">
+            <a:schemeClr val="tx1"/>
+          </a:fontRef>
+        </p:style>
+      </p:cxnSp>
     </p:spTree>
     <p:extLst>
       <p:ext uri="{BB962C8B-B14F-4D97-AF65-F5344CB8AC3E}">
@@ -10550,11 +10533,7 @@
           <a:p>
             <a:r>
               <a:rPr lang="sv-SE" sz="3200" dirty="0" smtClean="0"/>
-              <a:t>Exempel 3: ASP.NET MVC </a:t>
-            </a:r>
-            <a:r>
-              <a:rPr lang="sv-SE" sz="3200" dirty="0" smtClean="0"/>
-              <a:t>Controller – Bara implementera interface</a:t>
+              <a:t>Exempel 3: ASP.NET MVC Controller – Bara implementera interface</a:t>
             </a:r>
             <a:endParaRPr lang="en-US" sz="3200" dirty="0"/>
           </a:p>
@@ -10856,7 +10835,6 @@
               <a:rPr lang="sv-SE" dirty="0" smtClean="0"/>
               <a:t>Ingen nytta av all funktionalitet som finns i Controller-klassen</a:t>
             </a:r>
-            <a:endParaRPr lang="sv-SE" dirty="0" smtClean="0"/>
           </a:p>
         </p:txBody>
       </p:sp>
@@ -10914,11 +10892,7 @@
           <a:p>
             <a:r>
               <a:rPr lang="sv-SE" sz="3200" dirty="0" smtClean="0"/>
-              <a:t>Exempel 3: ASP.NET MVC </a:t>
-            </a:r>
-            <a:r>
-              <a:rPr lang="sv-SE" sz="3200" dirty="0" smtClean="0"/>
-              <a:t>Controller – Aggregering</a:t>
+              <a:t>Exempel 3: ASP.NET MVC Controller – Aggregering</a:t>
             </a:r>
             <a:endParaRPr lang="en-US" sz="3200" dirty="0"/>
           </a:p>
@@ -11208,11 +11182,7 @@
             </a:r>
             <a:r>
               <a:rPr lang="sv-SE" dirty="0" smtClean="0"/>
-              <a:t> att vår kod ej </a:t>
-            </a:r>
-            <a:r>
-              <a:rPr lang="sv-SE" dirty="0" smtClean="0"/>
-              <a:t>anropar </a:t>
+              <a:t> att vår kod ej anropar </a:t>
             </a:r>
             <a:r>
               <a:rPr lang="sv-SE" dirty="0" err="1" smtClean="0"/>
@@ -11247,7 +11217,6 @@
               <a:rPr lang="sv-SE" dirty="0" smtClean="0"/>
               <a:t>Kanske vettigt om man vill ha nästan helt egen implementation men behöver enstaka metod från Controller</a:t>
             </a:r>
-            <a:endParaRPr lang="sv-SE" dirty="0" smtClean="0"/>
           </a:p>
         </p:txBody>
       </p:sp>
@@ -11287,11 +11256,7 @@
             <a:pPr algn="ctr"/>
             <a:r>
               <a:rPr lang="sv-SE" dirty="0" err="1" smtClean="0"/>
-              <a:t>Concrete</a:t>
-            </a:r>
-            <a:r>
-              <a:rPr lang="sv-SE" dirty="0" err="1" smtClean="0"/>
-              <a:t>Controller</a:t>
+              <a:t>ConcreteController</a:t>
             </a:r>
             <a:endParaRPr lang="sv-SE" dirty="0" smtClean="0"/>
           </a:p>
@@ -11425,11 +11390,7 @@
           <a:p>
             <a:r>
               <a:rPr lang="sv-SE" sz="3200" dirty="0" smtClean="0"/>
-              <a:t>Exempel 3: ASP.NET MVC </a:t>
-            </a:r>
-            <a:r>
-              <a:rPr lang="sv-SE" sz="3200" dirty="0" smtClean="0"/>
-              <a:t>Controller – Arv</a:t>
+              <a:t>Exempel 3: ASP.NET MVC Controller – Arv</a:t>
             </a:r>
             <a:endParaRPr lang="en-US" sz="3200" dirty="0"/>
           </a:p>
@@ -11746,7 +11707,6 @@
               <a:rPr lang="sv-SE" dirty="0" smtClean="0"/>
               <a:t>Inga direkta nackdelar</a:t>
             </a:r>
-            <a:endParaRPr lang="sv-SE" dirty="0" smtClean="0"/>
           </a:p>
           <a:p>
             <a:pPr marL="342900" indent="-342900">
@@ -12586,11 +12546,7 @@
           <a:p>
             <a:r>
               <a:rPr lang="sv-SE" sz="2400" dirty="0" smtClean="0"/>
-              <a:t>Exempel 4: Controllers med duplicerad </a:t>
-            </a:r>
-            <a:r>
-              <a:rPr lang="sv-SE" sz="2400" dirty="0" smtClean="0"/>
-              <a:t>kod - basklass</a:t>
+              <a:t>Exempel 4: Controllers med duplicerad kod - basklass</a:t>
             </a:r>
             <a:endParaRPr lang="en-US" sz="2400" dirty="0"/>
           </a:p>
@@ -13144,11 +13100,7 @@
           <a:p>
             <a:r>
               <a:rPr lang="sv-SE" sz="2400" dirty="0" smtClean="0"/>
-              <a:t>Exempel 4: Controllers med duplicerad </a:t>
-            </a:r>
-            <a:r>
-              <a:rPr lang="sv-SE" sz="2400" dirty="0" smtClean="0"/>
-              <a:t>kod - Aggregering</a:t>
+              <a:t>Exempel 4: Controllers med duplicerad kod - Aggregering</a:t>
             </a:r>
             <a:endParaRPr lang="en-US" sz="2400" dirty="0"/>
           </a:p>
@@ -13570,7 +13522,6 @@
               <a:rPr lang="sv-SE" dirty="0" smtClean="0"/>
               <a:t>Mindre klasser som ansvarar för en specifik sak</a:t>
             </a:r>
-            <a:endParaRPr lang="sv-SE" dirty="0" smtClean="0"/>
           </a:p>
           <a:p>
             <a:pPr marL="342900" indent="-342900">
@@ -13890,11 +13841,7 @@
             </a:pPr>
             <a:r>
               <a:rPr lang="sv-SE" dirty="0" smtClean="0"/>
-              <a:t>Helt separat </a:t>
-            </a:r>
-            <a:r>
-              <a:rPr lang="sv-SE" dirty="0" smtClean="0"/>
-              <a:t>implementation</a:t>
+              <a:t>Helt separat implementation</a:t>
             </a:r>
           </a:p>
           <a:p>
@@ -14208,7 +14155,6 @@
               <a:rPr lang="sv-SE" dirty="0" smtClean="0"/>
               <a:t>Ful-UML</a:t>
             </a:r>
-            <a:endParaRPr lang="sv-SE" dirty="0" smtClean="0"/>
           </a:p>
         </p:txBody>
       </p:sp>
@@ -14716,13 +14662,6 @@
               </a:rPr>
               <a:t>Exponerar automatiskt alla publika metoder i basklassen</a:t>
             </a:r>
-            <a:endParaRPr lang="sv-SE" dirty="0" smtClean="0">
-              <a:solidFill>
-                <a:schemeClr val="accent6">
-                  <a:lumMod val="75000"/>
-                </a:schemeClr>
-              </a:solidFill>
-            </a:endParaRPr>
           </a:p>
           <a:p>
             <a:pPr marL="342900" indent="-342900">
@@ -15219,11 +15158,6 @@
               </a:rPr>
               <a:t>Kan aggregera hur många klasser man vill</a:t>
             </a:r>
-            <a:endParaRPr lang="sv-SE" dirty="0" smtClean="0">
-              <a:solidFill>
-                <a:srgbClr val="00B050"/>
-              </a:solidFill>
-            </a:endParaRPr>
           </a:p>
           <a:p>
             <a:pPr marL="342900" indent="-342900">
@@ -16760,7 +16694,6 @@
               <a:rPr lang="sv-SE" dirty="0" smtClean="0"/>
               <a:t>Bara vettigt om ingen implementation delas</a:t>
             </a:r>
-            <a:endParaRPr lang="sv-SE" dirty="0" smtClean="0"/>
           </a:p>
         </p:txBody>
       </p:sp>
@@ -17421,13 +17354,7 @@
 </file>
 
 <file path=customXml/item1.xml><?xml version="1.0" encoding="utf-8"?>
-<?mso-contentType ?>
-<p:Policy xmlns:p="office.server.policy" id="" local="true">
-  <p:Name>Document</p:Name>
-  <p:Description/>
-  <p:Statement/>
-  <p:PolicyItems/>
-</p:Policy>
+<LongProperties xmlns="http://schemas.microsoft.com/office/2006/metadata/longProperties"/>
 </file>
 
 <file path=customXml/item2.xml><?xml version="1.0" encoding="utf-8"?>
@@ -17453,10 +17380,161 @@
 </file>
 
 <file path=customXml/item3.xml><?xml version="1.0" encoding="utf-8"?>
-<LongProperties xmlns="http://schemas.microsoft.com/office/2006/metadata/longProperties"/>
+<?mso-contentType ?>
+<p:Policy xmlns:p="office.server.policy" id="" local="true">
+  <p:Name>Document</p:Name>
+  <p:Description/>
+  <p:Statement/>
+  <p:PolicyItems/>
+</p:Policy>
 </file>
 
 <file path=customXml/item4.xml><?xml version="1.0" encoding="utf-8"?>
+<?mso-contentType ?>
+<spe:Receivers xmlns:spe="http://schemas.microsoft.com/sharepoint/events">
+  <Receiver>
+    <Name>Document ID Generator</Name>
+    <Synchronization>Synchronous</Synchronization>
+    <Type>10001</Type>
+    <SequenceNumber>1000</SequenceNumber>
+    <Assembly>Microsoft.Office.DocumentManagement, Version=14.0.0.0, Culture=neutral, PublicKeyToken=71e9bce111e9429c</Assembly>
+    <Class>Microsoft.Office.DocumentManagement.Internal.DocIdHandler</Class>
+    <Data/>
+    <Filter/>
+  </Receiver>
+  <Receiver>
+    <Name>Document ID Generator</Name>
+    <Synchronization>Synchronous</Synchronization>
+    <Type>10002</Type>
+    <SequenceNumber>1001</SequenceNumber>
+    <Assembly>Microsoft.Office.DocumentManagement, Version=14.0.0.0, Culture=neutral, PublicKeyToken=71e9bce111e9429c</Assembly>
+    <Class>Microsoft.Office.DocumentManagement.Internal.DocIdHandler</Class>
+    <Data/>
+    <Filter/>
+  </Receiver>
+  <Receiver>
+    <Name>Document ID Generator</Name>
+    <Synchronization>Synchronous</Synchronization>
+    <Type>10004</Type>
+    <SequenceNumber>1002</SequenceNumber>
+    <Assembly>Microsoft.Office.DocumentManagement, Version=14.0.0.0, Culture=neutral, PublicKeyToken=71e9bce111e9429c</Assembly>
+    <Class>Microsoft.Office.DocumentManagement.Internal.DocIdHandler</Class>
+    <Data/>
+    <Filter/>
+  </Receiver>
+  <Receiver>
+    <Name>Document ID Generator</Name>
+    <Synchronization>Synchronous</Synchronization>
+    <Type>10006</Type>
+    <SequenceNumber>1003</SequenceNumber>
+    <Assembly>Microsoft.Office.DocumentManagement, Version=14.0.0.0, Culture=neutral, PublicKeyToken=71e9bce111e9429c</Assembly>
+    <Class>Microsoft.Office.DocumentManagement.Internal.DocIdHandler</Class>
+    <Data/>
+    <Filter/>
+  </Receiver>
+  <Receiver>
+    <Name>Policy Label Generator</Name>
+    <Synchronization>Synchronous</Synchronization>
+    <Type>10001</Type>
+    <SequenceNumber>1000</SequenceNumber>
+    <Assembly>Microsoft.Office.Policy, Version=14.0.0.0, Culture=neutral, PublicKeyToken=71e9bce111e9429c</Assembly>
+    <Class>Microsoft.Office.RecordsManagement.Internal.LabelHandler</Class>
+    <Data/>
+    <Filter/>
+  </Receiver>
+  <Receiver>
+    <Name>Policy Label Generator</Name>
+    <Synchronization>Synchronous</Synchronization>
+    <Type>10002</Type>
+    <SequenceNumber>1001</SequenceNumber>
+    <Assembly>Microsoft.Office.Policy, Version=14.0.0.0, Culture=neutral, PublicKeyToken=71e9bce111e9429c</Assembly>
+    <Class>Microsoft.Office.RecordsManagement.Internal.LabelHandler</Class>
+    <Data/>
+    <Filter/>
+  </Receiver>
+  <Receiver>
+    <Name>Policy Label Generator</Name>
+    <Synchronization>Synchronous</Synchronization>
+    <Type>10004</Type>
+    <SequenceNumber>1002</SequenceNumber>
+    <Assembly>Microsoft.Office.Policy, Version=14.0.0.0, Culture=neutral, PublicKeyToken=71e9bce111e9429c</Assembly>
+    <Class>Microsoft.Office.RecordsManagement.Internal.LabelHandler</Class>
+    <Data/>
+    <Filter/>
+  </Receiver>
+  <Receiver>
+    <Name>Policy Label Generator</Name>
+    <Synchronization>Synchronous</Synchronization>
+    <Type>10006</Type>
+    <SequenceNumber>1003</SequenceNumber>
+    <Assembly>Microsoft.Office.Policy, Version=14.0.0.0, Culture=neutral, PublicKeyToken=71e9bce111e9429c</Assembly>
+    <Class>Microsoft.Office.RecordsManagement.Internal.LabelHandler</Class>
+    <Data/>
+    <Filter/>
+  </Receiver>
+  <Receiver>
+    <Name>Microsoft.Office.RecordsManagement.PolicyFeatures.ExpirationEventReceiver</Name>
+    <Synchronization>Synchronous</Synchronization>
+    <Type>10001</Type>
+    <SequenceNumber>101</SequenceNumber>
+    <Assembly>Microsoft.Office.Policy, Version=14.0.0.0, Culture=neutral, PublicKeyToken=71e9bce111e9429c</Assembly>
+    <Class>Microsoft.Office.RecordsManagement.Internal.UpdateExpireDate</Class>
+    <Data/>
+    <Filter/>
+  </Receiver>
+  <Receiver>
+    <Name>Microsoft.Office.RecordsManagement.PolicyFeatures.ExpirationEventReceiver</Name>
+    <Synchronization>Synchronous</Synchronization>
+    <Type>10002</Type>
+    <SequenceNumber>102</SequenceNumber>
+    <Assembly>Microsoft.Office.Policy, Version=14.0.0.0, Culture=neutral, PublicKeyToken=71e9bce111e9429c</Assembly>
+    <Class>Microsoft.Office.RecordsManagement.Internal.UpdateExpireDate</Class>
+    <Data/>
+    <Filter/>
+  </Receiver>
+  <Receiver>
+    <Name>Microsoft.Office.RecordsManagement.PolicyFeatures.ExpirationEventReceiver</Name>
+    <Synchronization>Synchronous</Synchronization>
+    <Type>10004</Type>
+    <SequenceNumber>103</SequenceNumber>
+    <Assembly>Microsoft.Office.Policy, Version=14.0.0.0, Culture=neutral, PublicKeyToken=71e9bce111e9429c</Assembly>
+    <Class>Microsoft.Office.RecordsManagement.Internal.UpdateExpireDate</Class>
+    <Data/>
+    <Filter/>
+  </Receiver>
+  <Receiver>
+    <Name>Microsoft.Office.RecordsManagement.PolicyFeatures.ExpirationEventReceiver</Name>
+    <Synchronization>Synchronous</Synchronization>
+    <Type>10006</Type>
+    <SequenceNumber>104</SequenceNumber>
+    <Assembly>Microsoft.Office.Policy, Version=14.0.0.0, Culture=neutral, PublicKeyToken=71e9bce111e9429c</Assembly>
+    <Class>Microsoft.Office.RecordsManagement.Internal.UpdateExpireDate</Class>
+    <Data/>
+    <Filter/>
+  </Receiver>
+  <Receiver>
+    <Name>Microsoft.Office.RecordsManagement.PolicyFeatures.ExpirationEventReceiver</Name>
+    <Synchronization>Synchronous</Synchronization>
+    <Type>10009</Type>
+    <SequenceNumber>105</SequenceNumber>
+    <Assembly>Microsoft.Office.Policy, Version=14.0.0.0, Culture=neutral, PublicKeyToken=71e9bce111e9429c</Assembly>
+    <Class>Microsoft.Office.RecordsManagement.Internal.UpdateExpireDate</Class>
+    <Data/>
+    <Filter/>
+  </Receiver>
+</spe:Receivers>
+</file>
+
+<file path=customXml/item5.xml><?xml version="1.0" encoding="utf-8"?>
+<?mso-contentType ?>
+<FormTemplates xmlns="http://schemas.microsoft.com/sharepoint/v3/contenttype/forms">
+  <Display>DocumentLibraryForm</Display>
+  <Edit>DocumentLibraryForm</Edit>
+  <New>DocumentLibraryForm</New>
+</FormTemplates>
+</file>
+
+<file path=customXml/item6.xml><?xml version="1.0" encoding="utf-8"?>
 <ct:contentTypeSchema xmlns:ct="http://schemas.microsoft.com/office/2006/metadata/contentType" xmlns:ma="http://schemas.microsoft.com/office/2006/metadata/properties/metaAttributes" ct:_="" ma:_="" ma:contentTypeName="Sigma Presentation" ma:contentTypeID="0x010100CC38F04C2C9F0F47AC0C9711C66D07D1060054B2F8436FFED64480363C99CE4DCE5B" ma:contentTypeVersion="40" ma:contentTypeDescription="" ma:contentTypeScope="" ma:versionID="05c892b335d817181605d5d7adf23ed8">
   <xsd:schema xmlns:xsd="http://www.w3.org/2001/XMLSchema" xmlns:xs="http://www.w3.org/2001/XMLSchema" xmlns:p="http://schemas.microsoft.com/office/2006/metadata/properties" xmlns:ns1="http://schemas.microsoft.com/sharepoint/v3" xmlns:ns2="ab86c710-d5b9-443b-89bd-d84ca3c43036" targetNamespace="http://schemas.microsoft.com/office/2006/metadata/properties" ma:root="true" ma:fieldsID="8fa4d11be89b3571519139ff854dbb47" ns1:_="" ns2:_="">
     <xsd:import namespace="http://schemas.microsoft.com/sharepoint/v3"/>
@@ -17664,155 +17742,10 @@
 </ct:contentTypeSchema>
 </file>
 
-<file path=customXml/item5.xml><?xml version="1.0" encoding="utf-8"?>
-<?mso-contentType ?>
-<FormTemplates xmlns="http://schemas.microsoft.com/sharepoint/v3/contenttype/forms">
-  <Display>DocumentLibraryForm</Display>
-  <Edit>DocumentLibraryForm</Edit>
-  <New>DocumentLibraryForm</New>
-</FormTemplates>
-</file>
-
-<file path=customXml/item6.xml><?xml version="1.0" encoding="utf-8"?>
-<?mso-contentType ?>
-<spe:Receivers xmlns:spe="http://schemas.microsoft.com/sharepoint/events">
-  <Receiver>
-    <Name>Document ID Generator</Name>
-    <Synchronization>Synchronous</Synchronization>
-    <Type>10001</Type>
-    <SequenceNumber>1000</SequenceNumber>
-    <Assembly>Microsoft.Office.DocumentManagement, Version=14.0.0.0, Culture=neutral, PublicKeyToken=71e9bce111e9429c</Assembly>
-    <Class>Microsoft.Office.DocumentManagement.Internal.DocIdHandler</Class>
-    <Data/>
-    <Filter/>
-  </Receiver>
-  <Receiver>
-    <Name>Document ID Generator</Name>
-    <Synchronization>Synchronous</Synchronization>
-    <Type>10002</Type>
-    <SequenceNumber>1001</SequenceNumber>
-    <Assembly>Microsoft.Office.DocumentManagement, Version=14.0.0.0, Culture=neutral, PublicKeyToken=71e9bce111e9429c</Assembly>
-    <Class>Microsoft.Office.DocumentManagement.Internal.DocIdHandler</Class>
-    <Data/>
-    <Filter/>
-  </Receiver>
-  <Receiver>
-    <Name>Document ID Generator</Name>
-    <Synchronization>Synchronous</Synchronization>
-    <Type>10004</Type>
-    <SequenceNumber>1002</SequenceNumber>
-    <Assembly>Microsoft.Office.DocumentManagement, Version=14.0.0.0, Culture=neutral, PublicKeyToken=71e9bce111e9429c</Assembly>
-    <Class>Microsoft.Office.DocumentManagement.Internal.DocIdHandler</Class>
-    <Data/>
-    <Filter/>
-  </Receiver>
-  <Receiver>
-    <Name>Document ID Generator</Name>
-    <Synchronization>Synchronous</Synchronization>
-    <Type>10006</Type>
-    <SequenceNumber>1003</SequenceNumber>
-    <Assembly>Microsoft.Office.DocumentManagement, Version=14.0.0.0, Culture=neutral, PublicKeyToken=71e9bce111e9429c</Assembly>
-    <Class>Microsoft.Office.DocumentManagement.Internal.DocIdHandler</Class>
-    <Data/>
-    <Filter/>
-  </Receiver>
-  <Receiver>
-    <Name>Policy Label Generator</Name>
-    <Synchronization>Synchronous</Synchronization>
-    <Type>10001</Type>
-    <SequenceNumber>1000</SequenceNumber>
-    <Assembly>Microsoft.Office.Policy, Version=14.0.0.0, Culture=neutral, PublicKeyToken=71e9bce111e9429c</Assembly>
-    <Class>Microsoft.Office.RecordsManagement.Internal.LabelHandler</Class>
-    <Data/>
-    <Filter/>
-  </Receiver>
-  <Receiver>
-    <Name>Policy Label Generator</Name>
-    <Synchronization>Synchronous</Synchronization>
-    <Type>10002</Type>
-    <SequenceNumber>1001</SequenceNumber>
-    <Assembly>Microsoft.Office.Policy, Version=14.0.0.0, Culture=neutral, PublicKeyToken=71e9bce111e9429c</Assembly>
-    <Class>Microsoft.Office.RecordsManagement.Internal.LabelHandler</Class>
-    <Data/>
-    <Filter/>
-  </Receiver>
-  <Receiver>
-    <Name>Policy Label Generator</Name>
-    <Synchronization>Synchronous</Synchronization>
-    <Type>10004</Type>
-    <SequenceNumber>1002</SequenceNumber>
-    <Assembly>Microsoft.Office.Policy, Version=14.0.0.0, Culture=neutral, PublicKeyToken=71e9bce111e9429c</Assembly>
-    <Class>Microsoft.Office.RecordsManagement.Internal.LabelHandler</Class>
-    <Data/>
-    <Filter/>
-  </Receiver>
-  <Receiver>
-    <Name>Policy Label Generator</Name>
-    <Synchronization>Synchronous</Synchronization>
-    <Type>10006</Type>
-    <SequenceNumber>1003</SequenceNumber>
-    <Assembly>Microsoft.Office.Policy, Version=14.0.0.0, Culture=neutral, PublicKeyToken=71e9bce111e9429c</Assembly>
-    <Class>Microsoft.Office.RecordsManagement.Internal.LabelHandler</Class>
-    <Data/>
-    <Filter/>
-  </Receiver>
-  <Receiver>
-    <Name>Microsoft.Office.RecordsManagement.PolicyFeatures.ExpirationEventReceiver</Name>
-    <Synchronization>Synchronous</Synchronization>
-    <Type>10001</Type>
-    <SequenceNumber>101</SequenceNumber>
-    <Assembly>Microsoft.Office.Policy, Version=14.0.0.0, Culture=neutral, PublicKeyToken=71e9bce111e9429c</Assembly>
-    <Class>Microsoft.Office.RecordsManagement.Internal.UpdateExpireDate</Class>
-    <Data/>
-    <Filter/>
-  </Receiver>
-  <Receiver>
-    <Name>Microsoft.Office.RecordsManagement.PolicyFeatures.ExpirationEventReceiver</Name>
-    <Synchronization>Synchronous</Synchronization>
-    <Type>10002</Type>
-    <SequenceNumber>102</SequenceNumber>
-    <Assembly>Microsoft.Office.Policy, Version=14.0.0.0, Culture=neutral, PublicKeyToken=71e9bce111e9429c</Assembly>
-    <Class>Microsoft.Office.RecordsManagement.Internal.UpdateExpireDate</Class>
-    <Data/>
-    <Filter/>
-  </Receiver>
-  <Receiver>
-    <Name>Microsoft.Office.RecordsManagement.PolicyFeatures.ExpirationEventReceiver</Name>
-    <Synchronization>Synchronous</Synchronization>
-    <Type>10004</Type>
-    <SequenceNumber>103</SequenceNumber>
-    <Assembly>Microsoft.Office.Policy, Version=14.0.0.0, Culture=neutral, PublicKeyToken=71e9bce111e9429c</Assembly>
-    <Class>Microsoft.Office.RecordsManagement.Internal.UpdateExpireDate</Class>
-    <Data/>
-    <Filter/>
-  </Receiver>
-  <Receiver>
-    <Name>Microsoft.Office.RecordsManagement.PolicyFeatures.ExpirationEventReceiver</Name>
-    <Synchronization>Synchronous</Synchronization>
-    <Type>10006</Type>
-    <SequenceNumber>104</SequenceNumber>
-    <Assembly>Microsoft.Office.Policy, Version=14.0.0.0, Culture=neutral, PublicKeyToken=71e9bce111e9429c</Assembly>
-    <Class>Microsoft.Office.RecordsManagement.Internal.UpdateExpireDate</Class>
-    <Data/>
-    <Filter/>
-  </Receiver>
-  <Receiver>
-    <Name>Microsoft.Office.RecordsManagement.PolicyFeatures.ExpirationEventReceiver</Name>
-    <Synchronization>Synchronous</Synchronization>
-    <Type>10009</Type>
-    <SequenceNumber>105</SequenceNumber>
-    <Assembly>Microsoft.Office.Policy, Version=14.0.0.0, Culture=neutral, PublicKeyToken=71e9bce111e9429c</Assembly>
-    <Class>Microsoft.Office.RecordsManagement.Internal.UpdateExpireDate</Class>
-    <Data/>
-    <Filter/>
-  </Receiver>
-</spe:Receivers>
-</file>
-
 <file path=customXml/itemProps1.xml><?xml version="1.0" encoding="utf-8"?>
-<ds:datastoreItem xmlns:ds="http://schemas.openxmlformats.org/officeDocument/2006/customXml" ds:itemID="{4B40B3D7-3BF4-4F81-B752-465C7873F42D}">
+<ds:datastoreItem xmlns:ds="http://schemas.openxmlformats.org/officeDocument/2006/customXml" ds:itemID="{451EFAB2-D9E5-4914-B3CF-18B40C6146D6}">
   <ds:schemaRefs>
-    <ds:schemaRef ds:uri="office.server.policy"/>
+    <ds:schemaRef ds:uri="http://schemas.microsoft.com/office/2006/metadata/longProperties"/>
   </ds:schemaRefs>
 </ds:datastoreItem>
 </file>
@@ -17827,14 +17760,30 @@
 </file>
 
 <file path=customXml/itemProps3.xml><?xml version="1.0" encoding="utf-8"?>
-<ds:datastoreItem xmlns:ds="http://schemas.openxmlformats.org/officeDocument/2006/customXml" ds:itemID="{451EFAB2-D9E5-4914-B3CF-18B40C6146D6}">
+<ds:datastoreItem xmlns:ds="http://schemas.openxmlformats.org/officeDocument/2006/customXml" ds:itemID="{4B40B3D7-3BF4-4F81-B752-465C7873F42D}">
   <ds:schemaRefs>
-    <ds:schemaRef ds:uri="http://schemas.microsoft.com/office/2006/metadata/longProperties"/>
+    <ds:schemaRef ds:uri="office.server.policy"/>
   </ds:schemaRefs>
 </ds:datastoreItem>
 </file>
 
 <file path=customXml/itemProps4.xml><?xml version="1.0" encoding="utf-8"?>
+<ds:datastoreItem xmlns:ds="http://schemas.openxmlformats.org/officeDocument/2006/customXml" ds:itemID="{B8F9EEAE-CAA6-4862-920C-A5F615204F2A}">
+  <ds:schemaRefs>
+    <ds:schemaRef ds:uri="http://schemas.microsoft.com/sharepoint/events"/>
+  </ds:schemaRefs>
+</ds:datastoreItem>
+</file>
+
+<file path=customXml/itemProps5.xml><?xml version="1.0" encoding="utf-8"?>
+<ds:datastoreItem xmlns:ds="http://schemas.openxmlformats.org/officeDocument/2006/customXml" ds:itemID="{FA7F1BD2-EEB7-4CA7-AE76-FFA9743A6424}">
+  <ds:schemaRefs>
+    <ds:schemaRef ds:uri="http://schemas.microsoft.com/sharepoint/v3/contenttype/forms"/>
+  </ds:schemaRefs>
+</ds:datastoreItem>
+</file>
+
+<file path=customXml/itemProps6.xml><?xml version="1.0" encoding="utf-8"?>
 <ds:datastoreItem xmlns:ds="http://schemas.openxmlformats.org/officeDocument/2006/customXml" ds:itemID="{872CE3A9-A133-4832-B653-8001D90DA093}">
   <ds:schemaRefs>
     <ds:schemaRef ds:uri="http://schemas.microsoft.com/office/2006/metadata/contentType"/>
@@ -17851,20 +17800,4 @@
     <ds:schemaRef ds:uri="http://schemas.microsoft.com/internal/obd"/>
   </ds:schemaRefs>
 </ds:datastoreItem>
-</file>
-
-<file path=customXml/itemProps5.xml><?xml version="1.0" encoding="utf-8"?>
-<ds:datastoreItem xmlns:ds="http://schemas.openxmlformats.org/officeDocument/2006/customXml" ds:itemID="{FA7F1BD2-EEB7-4CA7-AE76-FFA9743A6424}">
-  <ds:schemaRefs>
-    <ds:schemaRef ds:uri="http://schemas.microsoft.com/sharepoint/v3/contenttype/forms"/>
-  </ds:schemaRefs>
-</ds:datastoreItem>
-</file>
-
-<file path=customXml/itemProps6.xml><?xml version="1.0" encoding="utf-8"?>
-<ds:datastoreItem xmlns:ds="http://schemas.openxmlformats.org/officeDocument/2006/customXml" ds:itemID="{B8F9EEAE-CAA6-4862-920C-A5F615204F2A}">
-  <ds:schemaRefs>
-    <ds:schemaRef ds:uri="http://schemas.microsoft.com/sharepoint/events"/>
-  </ds:schemaRefs>
-</ds:datastoreItem>
 </file>